--- a/Creating a Championship Winning NBA Team.pptx
+++ b/Creating a Championship Winning NBA Team.pptx
@@ -11,15 +11,16 @@
     <p:sldId id="260" r:id="rId5"/>
     <p:sldId id="261" r:id="rId6"/>
     <p:sldId id="262" r:id="rId7"/>
-    <p:sldId id="273" r:id="rId8"/>
-    <p:sldId id="274" r:id="rId9"/>
-    <p:sldId id="275" r:id="rId10"/>
-    <p:sldId id="276" r:id="rId11"/>
-    <p:sldId id="277" r:id="rId12"/>
+    <p:sldId id="277" r:id="rId8"/>
+    <p:sldId id="273" r:id="rId9"/>
+    <p:sldId id="274" r:id="rId10"/>
+    <p:sldId id="275" r:id="rId11"/>
+    <p:sldId id="276" r:id="rId12"/>
     <p:sldId id="263" r:id="rId13"/>
     <p:sldId id="264" r:id="rId14"/>
     <p:sldId id="265" r:id="rId15"/>
     <p:sldId id="267" r:id="rId16"/>
+    <p:sldId id="278" r:id="rId17"/>
   </p:sldIdLst>
   <p:sldSz cx="12192000" cy="6858000"/>
   <p:notesSz cx="6858000" cy="9144000"/>
@@ -301,7 +302,7 @@
           <a:p>
             <a:fld id="{37FD491D-4677-4821-9C33-240308A17DE5}" type="datetimeFigureOut">
               <a:rPr lang="en-CA" smtClean="0"/>
-              <a:t>2018-11-18</a:t>
+              <a:t>2018-11-19</a:t>
             </a:fld>
             <a:endParaRPr lang="en-CA"/>
           </a:p>
@@ -501,7 +502,7 @@
           <a:p>
             <a:fld id="{37FD491D-4677-4821-9C33-240308A17DE5}" type="datetimeFigureOut">
               <a:rPr lang="en-CA" smtClean="0"/>
-              <a:t>2018-11-18</a:t>
+              <a:t>2018-11-19</a:t>
             </a:fld>
             <a:endParaRPr lang="en-CA"/>
           </a:p>
@@ -711,7 +712,7 @@
           <a:p>
             <a:fld id="{37FD491D-4677-4821-9C33-240308A17DE5}" type="datetimeFigureOut">
               <a:rPr lang="en-CA" smtClean="0"/>
-              <a:t>2018-11-18</a:t>
+              <a:t>2018-11-19</a:t>
             </a:fld>
             <a:endParaRPr lang="en-CA"/>
           </a:p>
@@ -911,7 +912,7 @@
           <a:p>
             <a:fld id="{37FD491D-4677-4821-9C33-240308A17DE5}" type="datetimeFigureOut">
               <a:rPr lang="en-CA" smtClean="0"/>
-              <a:t>2018-11-18</a:t>
+              <a:t>2018-11-19</a:t>
             </a:fld>
             <a:endParaRPr lang="en-CA"/>
           </a:p>
@@ -1187,7 +1188,7 @@
           <a:p>
             <a:fld id="{37FD491D-4677-4821-9C33-240308A17DE5}" type="datetimeFigureOut">
               <a:rPr lang="en-CA" smtClean="0"/>
-              <a:t>2018-11-18</a:t>
+              <a:t>2018-11-19</a:t>
             </a:fld>
             <a:endParaRPr lang="en-CA"/>
           </a:p>
@@ -1455,7 +1456,7 @@
           <a:p>
             <a:fld id="{37FD491D-4677-4821-9C33-240308A17DE5}" type="datetimeFigureOut">
               <a:rPr lang="en-CA" smtClean="0"/>
-              <a:t>2018-11-18</a:t>
+              <a:t>2018-11-19</a:t>
             </a:fld>
             <a:endParaRPr lang="en-CA"/>
           </a:p>
@@ -1870,7 +1871,7 @@
           <a:p>
             <a:fld id="{37FD491D-4677-4821-9C33-240308A17DE5}" type="datetimeFigureOut">
               <a:rPr lang="en-CA" smtClean="0"/>
-              <a:t>2018-11-18</a:t>
+              <a:t>2018-11-19</a:t>
             </a:fld>
             <a:endParaRPr lang="en-CA"/>
           </a:p>
@@ -2012,7 +2013,7 @@
           <a:p>
             <a:fld id="{37FD491D-4677-4821-9C33-240308A17DE5}" type="datetimeFigureOut">
               <a:rPr lang="en-CA" smtClean="0"/>
-              <a:t>2018-11-18</a:t>
+              <a:t>2018-11-19</a:t>
             </a:fld>
             <a:endParaRPr lang="en-CA"/>
           </a:p>
@@ -2125,7 +2126,7 @@
           <a:p>
             <a:fld id="{37FD491D-4677-4821-9C33-240308A17DE5}" type="datetimeFigureOut">
               <a:rPr lang="en-CA" smtClean="0"/>
-              <a:t>2018-11-18</a:t>
+              <a:t>2018-11-19</a:t>
             </a:fld>
             <a:endParaRPr lang="en-CA"/>
           </a:p>
@@ -2438,7 +2439,7 @@
           <a:p>
             <a:fld id="{37FD491D-4677-4821-9C33-240308A17DE5}" type="datetimeFigureOut">
               <a:rPr lang="en-CA" smtClean="0"/>
-              <a:t>2018-11-18</a:t>
+              <a:t>2018-11-19</a:t>
             </a:fld>
             <a:endParaRPr lang="en-CA"/>
           </a:p>
@@ -2727,7 +2728,7 @@
           <a:p>
             <a:fld id="{37FD491D-4677-4821-9C33-240308A17DE5}" type="datetimeFigureOut">
               <a:rPr lang="en-CA" smtClean="0"/>
-              <a:t>2018-11-18</a:t>
+              <a:t>2018-11-19</a:t>
             </a:fld>
             <a:endParaRPr lang="en-CA"/>
           </a:p>
@@ -2970,7 +2971,7 @@
           <a:p>
             <a:fld id="{37FD491D-4677-4821-9C33-240308A17DE5}" type="datetimeFigureOut">
               <a:rPr lang="en-CA" smtClean="0"/>
-              <a:t>2018-11-18</a:t>
+              <a:t>2018-11-19</a:t>
             </a:fld>
             <a:endParaRPr lang="en-CA"/>
           </a:p>
@@ -3477,7 +3478,7 @@
           <p:cNvPr id="2" name="Title 1">
             <a:extLst>
               <a:ext uri="{FF2B5EF4-FFF2-40B4-BE49-F238E27FC236}">
-                <a16:creationId xmlns:a16="http://schemas.microsoft.com/office/drawing/2014/main" id="{3608FC6F-4EE2-41C9-B1BE-175CA72C7404}"/>
+                <a16:creationId xmlns:a16="http://schemas.microsoft.com/office/drawing/2014/main" id="{893F66EA-FC57-40CD-9557-EEA6D1F0F1DD}"/>
               </a:ext>
             </a:extLst>
           </p:cNvPr>
@@ -3505,7 +3506,7 @@
           <p:cNvPr id="3" name="Content Placeholder 2">
             <a:extLst>
               <a:ext uri="{FF2B5EF4-FFF2-40B4-BE49-F238E27FC236}">
-                <a16:creationId xmlns:a16="http://schemas.microsoft.com/office/drawing/2014/main" id="{3966CD44-0E73-4A6B-84DF-8CE5BED1BF48}"/>
+                <a16:creationId xmlns:a16="http://schemas.microsoft.com/office/drawing/2014/main" id="{3C76E4A6-9C82-4641-885F-967BDA838312}"/>
               </a:ext>
             </a:extLst>
           </p:cNvPr>
@@ -3523,23 +3524,71 @@
           <a:p>
             <a:r>
               <a:rPr lang="en-CA" dirty="0"/>
-              <a:t>Therefore our objective function is </a:t>
+              <a:t>The difference between the constraint requirement and the sum of players selected equals the unit penalized. </a:t>
+            </a:r>
+          </a:p>
+          <a:p>
+            <a:r>
+              <a:rPr lang="en-CA" dirty="0"/>
+              <a:t>The difference is given as </a:t>
             </a:r>
           </a:p>
           <a:p>
             <a:endParaRPr lang="en-CA" dirty="0"/>
           </a:p>
           <a:p>
+            <a:pPr marL="0" indent="0">
+              <a:buNone/>
+            </a:pPr>
             <a:endParaRPr lang="en-CA" dirty="0"/>
+          </a:p>
+          <a:p>
+            <a:r>
+              <a:rPr lang="en-CA" sz="1400" dirty="0"/>
+              <a:t>Where </a:t>
+            </a:r>
+            <a:r>
+              <a:rPr lang="en-CA" sz="1400" dirty="0" err="1"/>
+              <a:t>b_k</a:t>
+            </a:r>
+            <a:r>
+              <a:rPr lang="en-CA" sz="1400" dirty="0"/>
+              <a:t> donates as requirement k, and </a:t>
+            </a:r>
+            <a:r>
+              <a:rPr lang="en-CA" sz="1400" dirty="0" err="1"/>
+              <a:t>a_ik</a:t>
+            </a:r>
+            <a:r>
+              <a:rPr lang="en-CA" sz="1400" dirty="0"/>
+              <a:t> donates as the k skillset for player </a:t>
+            </a:r>
+            <a:r>
+              <a:rPr lang="en-CA" sz="1400" dirty="0" err="1"/>
+              <a:t>i</a:t>
+            </a:r>
+            <a:r>
+              <a:rPr lang="en-CA" sz="1400" dirty="0"/>
+              <a:t>, for k in m</a:t>
+            </a:r>
+          </a:p>
+          <a:p>
+            <a:endParaRPr lang="en-CA" sz="1400" dirty="0"/>
+          </a:p>
+          <a:p>
+            <a:r>
+              <a:rPr lang="en-CA" dirty="0"/>
+              <a:t>Penalty cost function </a:t>
+            </a:r>
           </a:p>
         </p:txBody>
       </p:sp>
       <p:pic>
         <p:nvPicPr>
-          <p:cNvPr id="6" name="Picture 5">
-            <a:extLst>
-              <a:ext uri="{FF2B5EF4-FFF2-40B4-BE49-F238E27FC236}">
-                <a16:creationId xmlns:a16="http://schemas.microsoft.com/office/drawing/2014/main" id="{BCE40CDC-E97A-4C52-AFAE-3DC9A41E7EB7}"/>
+          <p:cNvPr id="7" name="Picture 6">
+            <a:extLst>
+              <a:ext uri="{FF2B5EF4-FFF2-40B4-BE49-F238E27FC236}">
+                <a16:creationId xmlns:a16="http://schemas.microsoft.com/office/drawing/2014/main" id="{12B58D44-A15D-496A-AA37-E5D857812059}"/>
               </a:ext>
             </a:extLst>
           </p:cNvPr>
@@ -3556,8 +3605,38 @@
         </p:blipFill>
         <p:spPr>
           <a:xfrm>
-            <a:off x="730625" y="3068139"/>
-            <a:ext cx="10730750" cy="1347359"/>
+            <a:off x="838200" y="3429000"/>
+            <a:ext cx="10846915" cy="821736"/>
+          </a:xfrm>
+          <a:prstGeom prst="rect">
+            <a:avLst/>
+          </a:prstGeom>
+        </p:spPr>
+      </p:pic>
+      <p:pic>
+        <p:nvPicPr>
+          <p:cNvPr id="6" name="Picture 5">
+            <a:extLst>
+              <a:ext uri="{FF2B5EF4-FFF2-40B4-BE49-F238E27FC236}">
+                <a16:creationId xmlns:a16="http://schemas.microsoft.com/office/drawing/2014/main" id="{2EB54207-A749-4BF2-B29B-1DED38D90C59}"/>
+              </a:ext>
+            </a:extLst>
+          </p:cNvPr>
+          <p:cNvPicPr>
+            <a:picLocks noChangeAspect="1"/>
+          </p:cNvPicPr>
+          <p:nvPr/>
+        </p:nvPicPr>
+        <p:blipFill>
+          <a:blip r:embed="rId3"/>
+          <a:stretch>
+            <a:fillRect/>
+          </a:stretch>
+        </p:blipFill>
+        <p:spPr>
+          <a:xfrm>
+            <a:off x="1786481" y="5550218"/>
+            <a:ext cx="9331692" cy="602570"/>
           </a:xfrm>
           <a:prstGeom prst="rect">
             <a:avLst/>
@@ -3567,7 +3646,7 @@
     </p:spTree>
     <p:extLst>
       <p:ext uri="{BB962C8B-B14F-4D97-AF65-F5344CB8AC3E}">
-        <p14:creationId xmlns:p14="http://schemas.microsoft.com/office/powerpoint/2010/main" val="3613748083"/>
+        <p14:creationId xmlns:p14="http://schemas.microsoft.com/office/powerpoint/2010/main" val="3392642193"/>
       </p:ext>
     </p:extLst>
   </p:cSld>
@@ -3599,7 +3678,7 @@
           <p:cNvPr id="2" name="Title 1">
             <a:extLst>
               <a:ext uri="{FF2B5EF4-FFF2-40B4-BE49-F238E27FC236}">
-                <a16:creationId xmlns:a16="http://schemas.microsoft.com/office/drawing/2014/main" id="{C6D47E22-CA69-4B40-89DE-A186C817CA90}"/>
+                <a16:creationId xmlns:a16="http://schemas.microsoft.com/office/drawing/2014/main" id="{3608FC6F-4EE2-41C9-B1BE-175CA72C7404}"/>
               </a:ext>
             </a:extLst>
           </p:cNvPr>
@@ -3627,7 +3706,7 @@
           <p:cNvPr id="3" name="Content Placeholder 2">
             <a:extLst>
               <a:ext uri="{FF2B5EF4-FFF2-40B4-BE49-F238E27FC236}">
-                <a16:creationId xmlns:a16="http://schemas.microsoft.com/office/drawing/2014/main" id="{D4BB8A76-2490-4156-8FD9-9BFBC0D42E8B}"/>
+                <a16:creationId xmlns:a16="http://schemas.microsoft.com/office/drawing/2014/main" id="{3966CD44-0E73-4A6B-84DF-8CE5BED1BF48}"/>
               </a:ext>
             </a:extLst>
           </p:cNvPr>
@@ -3645,7 +3724,7 @@
           <a:p>
             <a:r>
               <a:rPr lang="en-CA" dirty="0"/>
-              <a:t>Also, all of our constraints are written in the form of </a:t>
+              <a:t>Therefore our objective function is </a:t>
             </a:r>
           </a:p>
           <a:p>
@@ -3658,10 +3737,10 @@
       </p:sp>
       <p:pic>
         <p:nvPicPr>
-          <p:cNvPr id="5" name="Picture 4">
-            <a:extLst>
-              <a:ext uri="{FF2B5EF4-FFF2-40B4-BE49-F238E27FC236}">
-                <a16:creationId xmlns:a16="http://schemas.microsoft.com/office/drawing/2014/main" id="{B330ED59-6907-4D45-82E7-E1EABC8032BA}"/>
+          <p:cNvPr id="6" name="Picture 5">
+            <a:extLst>
+              <a:ext uri="{FF2B5EF4-FFF2-40B4-BE49-F238E27FC236}">
+                <a16:creationId xmlns:a16="http://schemas.microsoft.com/office/drawing/2014/main" id="{BCE40CDC-E97A-4C52-AFAE-3DC9A41E7EB7}"/>
               </a:ext>
             </a:extLst>
           </p:cNvPr>
@@ -3678,8 +3757,8 @@
         </p:blipFill>
         <p:spPr>
           <a:xfrm>
-            <a:off x="2168842" y="2984999"/>
-            <a:ext cx="7469937" cy="1325563"/>
+            <a:off x="730625" y="3068139"/>
+            <a:ext cx="10730750" cy="1347359"/>
           </a:xfrm>
           <a:prstGeom prst="rect">
             <a:avLst/>
@@ -3689,7 +3768,7 @@
     </p:spTree>
     <p:extLst>
       <p:ext uri="{BB962C8B-B14F-4D97-AF65-F5344CB8AC3E}">
-        <p14:creationId xmlns:p14="http://schemas.microsoft.com/office/powerpoint/2010/main" val="4218574103"/>
+        <p14:creationId xmlns:p14="http://schemas.microsoft.com/office/powerpoint/2010/main" val="3613748083"/>
       </p:ext>
     </p:extLst>
   </p:cSld>
@@ -4268,6 +4347,98 @@
 </p:sld>
 </file>
 
+<file path=ppt/slides/slide16.xml><?xml version="1.0" encoding="utf-8"?>
+<p:sld xmlns:a="http://schemas.openxmlformats.org/drawingml/2006/main" xmlns:r="http://schemas.openxmlformats.org/officeDocument/2006/relationships" xmlns:p="http://schemas.openxmlformats.org/presentationml/2006/main">
+  <p:cSld>
+    <p:spTree>
+      <p:nvGrpSpPr>
+        <p:cNvPr id="1" name=""/>
+        <p:cNvGrpSpPr/>
+        <p:nvPr/>
+      </p:nvGrpSpPr>
+      <p:grpSpPr>
+        <a:xfrm>
+          <a:off x="0" y="0"/>
+          <a:ext cx="0" cy="0"/>
+          <a:chOff x="0" y="0"/>
+          <a:chExt cx="0" cy="0"/>
+        </a:xfrm>
+      </p:grpSpPr>
+      <p:sp>
+        <p:nvSpPr>
+          <p:cNvPr id="2" name="Title 1">
+            <a:extLst>
+              <a:ext uri="{FF2B5EF4-FFF2-40B4-BE49-F238E27FC236}">
+                <a16:creationId xmlns:a16="http://schemas.microsoft.com/office/drawing/2014/main" id="{57DE4966-6465-495B-B9AB-C8426483BBC9}"/>
+              </a:ext>
+            </a:extLst>
+          </p:cNvPr>
+          <p:cNvSpPr>
+            <a:spLocks noGrp="1"/>
+          </p:cNvSpPr>
+          <p:nvPr>
+            <p:ph type="title"/>
+          </p:nvPr>
+        </p:nvSpPr>
+        <p:spPr/>
+        <p:txBody>
+          <a:bodyPr/>
+          <a:lstStyle/>
+          <a:p>
+            <a:r>
+              <a:rPr lang="en-CA" dirty="0"/>
+              <a:t>Current result </a:t>
+            </a:r>
+          </a:p>
+        </p:txBody>
+      </p:sp>
+      <p:sp>
+        <p:nvSpPr>
+          <p:cNvPr id="3" name="Content Placeholder 2">
+            <a:extLst>
+              <a:ext uri="{FF2B5EF4-FFF2-40B4-BE49-F238E27FC236}">
+                <a16:creationId xmlns:a16="http://schemas.microsoft.com/office/drawing/2014/main" id="{017818C7-2F3F-40BD-85D2-FEDCF8AB9D4C}"/>
+              </a:ext>
+            </a:extLst>
+          </p:cNvPr>
+          <p:cNvSpPr>
+            <a:spLocks noGrp="1"/>
+          </p:cNvSpPr>
+          <p:nvPr>
+            <p:ph idx="1"/>
+          </p:nvPr>
+        </p:nvSpPr>
+        <p:spPr/>
+        <p:txBody>
+          <a:bodyPr/>
+          <a:lstStyle/>
+          <a:p>
+            <a:r>
+              <a:rPr lang="en-CA" dirty="0"/>
+              <a:t>We don’t have any solid results yet</a:t>
+            </a:r>
+          </a:p>
+          <a:p>
+            <a:r>
+              <a:rPr lang="en-CA" dirty="0"/>
+              <a:t>We are still working on our program</a:t>
+            </a:r>
+          </a:p>
+        </p:txBody>
+      </p:sp>
+    </p:spTree>
+    <p:extLst>
+      <p:ext uri="{BB962C8B-B14F-4D97-AF65-F5344CB8AC3E}">
+        <p14:creationId xmlns:p14="http://schemas.microsoft.com/office/powerpoint/2010/main" val="181047180"/>
+      </p:ext>
+    </p:extLst>
+  </p:cSld>
+  <p:clrMapOvr>
+    <a:masterClrMapping/>
+  </p:clrMapOvr>
+</p:sld>
+</file>
+
 <file path=ppt/slides/slide2.xml><?xml version="1.0" encoding="utf-8"?>
 <p:sld xmlns:a="http://schemas.openxmlformats.org/drawingml/2006/main" xmlns:r="http://schemas.openxmlformats.org/officeDocument/2006/relationships" xmlns:p="http://schemas.openxmlformats.org/presentationml/2006/main">
   <p:cSld>
@@ -4555,7 +4726,7 @@
           <a:p>
             <a:r>
               <a:rPr lang="en-CA" dirty="0"/>
-              <a:t>How is the total cost affected by the change in penalty cost parameter?  (need to explain what we mean by penalty cost)</a:t>
+              <a:t>How is the total cost affected by the change in penalty cost parameter?  (will explain penalty cost later)</a:t>
             </a:r>
           </a:p>
           <a:p>
@@ -4659,7 +4830,7 @@
           <a:p>
             <a:r>
               <a:rPr lang="en-CA" dirty="0"/>
-              <a:t>Similar to a bin packing (covering) model. (e.g. …)</a:t>
+              <a:t>Similar to a bin packing (covering) model. </a:t>
             </a:r>
           </a:p>
           <a:p>
@@ -4837,7 +5008,7 @@
             </a:pPr>
             <a:r>
               <a:rPr lang="en-CA" dirty="0"/>
-              <a:t>                                                                              ,</a:t>
+              <a:t>                                                                              , </a:t>
             </a:r>
             <a:r>
               <a:rPr lang="en-CA" sz="1400" dirty="0"/>
@@ -4967,6 +5138,128 @@
           <p:cNvPr id="2" name="Title 1">
             <a:extLst>
               <a:ext uri="{FF2B5EF4-FFF2-40B4-BE49-F238E27FC236}">
+                <a16:creationId xmlns:a16="http://schemas.microsoft.com/office/drawing/2014/main" id="{C6D47E22-CA69-4B40-89DE-A186C817CA90}"/>
+              </a:ext>
+            </a:extLst>
+          </p:cNvPr>
+          <p:cNvSpPr>
+            <a:spLocks noGrp="1"/>
+          </p:cNvSpPr>
+          <p:nvPr>
+            <p:ph type="title"/>
+          </p:nvPr>
+        </p:nvSpPr>
+        <p:spPr/>
+        <p:txBody>
+          <a:bodyPr/>
+          <a:lstStyle/>
+          <a:p>
+            <a:r>
+              <a:rPr lang="en-CA" dirty="0"/>
+              <a:t>Basic Model Cont. </a:t>
+            </a:r>
+          </a:p>
+        </p:txBody>
+      </p:sp>
+      <p:sp>
+        <p:nvSpPr>
+          <p:cNvPr id="3" name="Content Placeholder 2">
+            <a:extLst>
+              <a:ext uri="{FF2B5EF4-FFF2-40B4-BE49-F238E27FC236}">
+                <a16:creationId xmlns:a16="http://schemas.microsoft.com/office/drawing/2014/main" id="{D4BB8A76-2490-4156-8FD9-9BFBC0D42E8B}"/>
+              </a:ext>
+            </a:extLst>
+          </p:cNvPr>
+          <p:cNvSpPr>
+            <a:spLocks noGrp="1"/>
+          </p:cNvSpPr>
+          <p:nvPr>
+            <p:ph idx="1"/>
+          </p:nvPr>
+        </p:nvSpPr>
+        <p:spPr/>
+        <p:txBody>
+          <a:bodyPr/>
+          <a:lstStyle/>
+          <a:p>
+            <a:r>
+              <a:rPr lang="en-CA" dirty="0"/>
+              <a:t>Also, all of our constraints are written in the form of </a:t>
+            </a:r>
+          </a:p>
+          <a:p>
+            <a:endParaRPr lang="en-CA" dirty="0"/>
+          </a:p>
+          <a:p>
+            <a:endParaRPr lang="en-CA" dirty="0"/>
+          </a:p>
+        </p:txBody>
+      </p:sp>
+      <p:pic>
+        <p:nvPicPr>
+          <p:cNvPr id="5" name="Picture 4">
+            <a:extLst>
+              <a:ext uri="{FF2B5EF4-FFF2-40B4-BE49-F238E27FC236}">
+                <a16:creationId xmlns:a16="http://schemas.microsoft.com/office/drawing/2014/main" id="{B330ED59-6907-4D45-82E7-E1EABC8032BA}"/>
+              </a:ext>
+            </a:extLst>
+          </p:cNvPr>
+          <p:cNvPicPr>
+            <a:picLocks noChangeAspect="1"/>
+          </p:cNvPicPr>
+          <p:nvPr/>
+        </p:nvPicPr>
+        <p:blipFill>
+          <a:blip r:embed="rId2"/>
+          <a:stretch>
+            <a:fillRect/>
+          </a:stretch>
+        </p:blipFill>
+        <p:spPr>
+          <a:xfrm>
+            <a:off x="2168842" y="2984999"/>
+            <a:ext cx="7469937" cy="1325563"/>
+          </a:xfrm>
+          <a:prstGeom prst="rect">
+            <a:avLst/>
+          </a:prstGeom>
+        </p:spPr>
+      </p:pic>
+    </p:spTree>
+    <p:extLst>
+      <p:ext uri="{BB962C8B-B14F-4D97-AF65-F5344CB8AC3E}">
+        <p14:creationId xmlns:p14="http://schemas.microsoft.com/office/powerpoint/2010/main" val="4218574103"/>
+      </p:ext>
+    </p:extLst>
+  </p:cSld>
+  <p:clrMapOvr>
+    <a:masterClrMapping/>
+  </p:clrMapOvr>
+</p:sld>
+</file>
+
+<file path=ppt/slides/slide8.xml><?xml version="1.0" encoding="utf-8"?>
+<p:sld xmlns:a="http://schemas.openxmlformats.org/drawingml/2006/main" xmlns:r="http://schemas.openxmlformats.org/officeDocument/2006/relationships" xmlns:p="http://schemas.openxmlformats.org/presentationml/2006/main">
+  <p:cSld>
+    <p:spTree>
+      <p:nvGrpSpPr>
+        <p:cNvPr id="1" name=""/>
+        <p:cNvGrpSpPr/>
+        <p:nvPr/>
+      </p:nvGrpSpPr>
+      <p:grpSpPr>
+        <a:xfrm>
+          <a:off x="0" y="0"/>
+          <a:ext cx="0" cy="0"/>
+          <a:chOff x="0" y="0"/>
+          <a:chExt cx="0" cy="0"/>
+        </a:xfrm>
+      </p:grpSpPr>
+      <p:sp>
+        <p:nvSpPr>
+          <p:cNvPr id="2" name="Title 1">
+            <a:extLst>
+              <a:ext uri="{FF2B5EF4-FFF2-40B4-BE49-F238E27FC236}">
                 <a16:creationId xmlns:a16="http://schemas.microsoft.com/office/drawing/2014/main" id="{74A2229C-B230-4E1C-8213-F6B8038D7F33}"/>
               </a:ext>
             </a:extLst>
@@ -5082,101 +5375,6 @@
 </p:sld>
 </file>
 
-<file path=ppt/slides/slide8.xml><?xml version="1.0" encoding="utf-8"?>
-<p:sld xmlns:a="http://schemas.openxmlformats.org/drawingml/2006/main" xmlns:r="http://schemas.openxmlformats.org/officeDocument/2006/relationships" xmlns:p="http://schemas.openxmlformats.org/presentationml/2006/main">
-  <p:cSld>
-    <p:spTree>
-      <p:nvGrpSpPr>
-        <p:cNvPr id="1" name=""/>
-        <p:cNvGrpSpPr/>
-        <p:nvPr/>
-      </p:nvGrpSpPr>
-      <p:grpSpPr>
-        <a:xfrm>
-          <a:off x="0" y="0"/>
-          <a:ext cx="0" cy="0"/>
-          <a:chOff x="0" y="0"/>
-          <a:chExt cx="0" cy="0"/>
-        </a:xfrm>
-      </p:grpSpPr>
-      <p:sp>
-        <p:nvSpPr>
-          <p:cNvPr id="2" name="Title 1">
-            <a:extLst>
-              <a:ext uri="{FF2B5EF4-FFF2-40B4-BE49-F238E27FC236}">
-                <a16:creationId xmlns:a16="http://schemas.microsoft.com/office/drawing/2014/main" id="{8EB98091-8272-484E-ACD2-87B4D67EE27C}"/>
-              </a:ext>
-            </a:extLst>
-          </p:cNvPr>
-          <p:cNvSpPr>
-            <a:spLocks noGrp="1"/>
-          </p:cNvSpPr>
-          <p:nvPr>
-            <p:ph type="title"/>
-          </p:nvPr>
-        </p:nvSpPr>
-        <p:spPr/>
-        <p:txBody>
-          <a:bodyPr/>
-          <a:lstStyle/>
-          <a:p>
-            <a:r>
-              <a:rPr lang="en-CA" dirty="0"/>
-              <a:t>Basic Model Cont. </a:t>
-            </a:r>
-          </a:p>
-        </p:txBody>
-      </p:sp>
-      <p:sp>
-        <p:nvSpPr>
-          <p:cNvPr id="3" name="Content Placeholder 2">
-            <a:extLst>
-              <a:ext uri="{FF2B5EF4-FFF2-40B4-BE49-F238E27FC236}">
-                <a16:creationId xmlns:a16="http://schemas.microsoft.com/office/drawing/2014/main" id="{8BAF9CDB-D98B-4D93-B679-C59109123259}"/>
-              </a:ext>
-            </a:extLst>
-          </p:cNvPr>
-          <p:cNvSpPr>
-            <a:spLocks noGrp="1"/>
-          </p:cNvSpPr>
-          <p:nvPr>
-            <p:ph idx="1"/>
-          </p:nvPr>
-        </p:nvSpPr>
-        <p:spPr/>
-        <p:txBody>
-          <a:bodyPr/>
-          <a:lstStyle/>
-          <a:p>
-            <a:r>
-              <a:rPr lang="en-CA" dirty="0"/>
-              <a:t>For example, the requirement for grad school is to have least 80% average grades. However you have 79% with excellent work experience and recommendations from your mangers, does that mean you will be  eliminated? </a:t>
-            </a:r>
-          </a:p>
-          <a:p>
-            <a:r>
-              <a:rPr lang="en-CA" dirty="0"/>
-              <a:t>Maybe not…</a:t>
-            </a:r>
-          </a:p>
-          <a:p>
-            <a:endParaRPr lang="en-CA" dirty="0"/>
-          </a:p>
-        </p:txBody>
-      </p:sp>
-    </p:spTree>
-    <p:extLst>
-      <p:ext uri="{BB962C8B-B14F-4D97-AF65-F5344CB8AC3E}">
-        <p14:creationId xmlns:p14="http://schemas.microsoft.com/office/powerpoint/2010/main" val="2565331248"/>
-      </p:ext>
-    </p:extLst>
-  </p:cSld>
-  <p:clrMapOvr>
-    <a:masterClrMapping/>
-  </p:clrMapOvr>
-</p:sld>
-</file>
-
 <file path=ppt/slides/slide9.xml><?xml version="1.0" encoding="utf-8"?>
 <p:sld xmlns:a="http://schemas.openxmlformats.org/drawingml/2006/main" xmlns:r="http://schemas.openxmlformats.org/officeDocument/2006/relationships" xmlns:p="http://schemas.openxmlformats.org/presentationml/2006/main">
   <p:cSld>
@@ -5199,7 +5397,7 @@
           <p:cNvPr id="2" name="Title 1">
             <a:extLst>
               <a:ext uri="{FF2B5EF4-FFF2-40B4-BE49-F238E27FC236}">
-                <a16:creationId xmlns:a16="http://schemas.microsoft.com/office/drawing/2014/main" id="{893F66EA-FC57-40CD-9557-EEA6D1F0F1DD}"/>
+                <a16:creationId xmlns:a16="http://schemas.microsoft.com/office/drawing/2014/main" id="{8EB98091-8272-484E-ACD2-87B4D67EE27C}"/>
               </a:ext>
             </a:extLst>
           </p:cNvPr>
@@ -5227,7 +5425,7 @@
           <p:cNvPr id="3" name="Content Placeholder 2">
             <a:extLst>
               <a:ext uri="{FF2B5EF4-FFF2-40B4-BE49-F238E27FC236}">
-                <a16:creationId xmlns:a16="http://schemas.microsoft.com/office/drawing/2014/main" id="{3C76E4A6-9C82-4641-885F-967BDA838312}"/>
+                <a16:creationId xmlns:a16="http://schemas.microsoft.com/office/drawing/2014/main" id="{8BAF9CDB-D98B-4D93-B679-C59109123259}"/>
               </a:ext>
             </a:extLst>
           </p:cNvPr>
@@ -5245,121 +5443,30 @@
           <a:p>
             <a:r>
               <a:rPr lang="en-CA" dirty="0"/>
-              <a:t>The difference between the constraint requirement and the sum of players selected equals the unit penalized. </a:t>
-            </a:r>
-          </a:p>
-          <a:p>
-            <a:r>
-              <a:rPr lang="en-CA" dirty="0"/>
-              <a:t>The difference is given as </a:t>
+              <a:t>So what is the meaning of the penalty cost function? </a:t>
+            </a:r>
+          </a:p>
+          <a:p>
+            <a:r>
+              <a:rPr lang="en-CA" dirty="0"/>
+              <a:t>For example, the requirement for grad school is to have least 80% average grades. However you have 79% with excellent work experience and recommendations from your mangers, does that mean you will be  eliminated? </a:t>
+            </a:r>
+          </a:p>
+          <a:p>
+            <a:r>
+              <a:rPr lang="en-CA" dirty="0"/>
+              <a:t>Maybe not…</a:t>
             </a:r>
           </a:p>
           <a:p>
             <a:endParaRPr lang="en-CA" dirty="0"/>
           </a:p>
-          <a:p>
-            <a:pPr marL="0" indent="0">
-              <a:buNone/>
-            </a:pPr>
-            <a:endParaRPr lang="en-CA" dirty="0"/>
-          </a:p>
-          <a:p>
-            <a:r>
-              <a:rPr lang="en-CA" sz="1400" dirty="0"/>
-              <a:t>Where </a:t>
-            </a:r>
-            <a:r>
-              <a:rPr lang="en-CA" sz="1400" dirty="0" err="1"/>
-              <a:t>b_k</a:t>
-            </a:r>
-            <a:r>
-              <a:rPr lang="en-CA" sz="1400" dirty="0"/>
-              <a:t> donates as requirement k, and </a:t>
-            </a:r>
-            <a:r>
-              <a:rPr lang="en-CA" sz="1400" dirty="0" err="1"/>
-              <a:t>a_ik</a:t>
-            </a:r>
-            <a:r>
-              <a:rPr lang="en-CA" sz="1400" dirty="0"/>
-              <a:t> donates as the k skillset for player I, for k in m</a:t>
-            </a:r>
-          </a:p>
-          <a:p>
-            <a:endParaRPr lang="en-CA" sz="1400" dirty="0"/>
-          </a:p>
-          <a:p>
-            <a:r>
-              <a:rPr lang="en-CA" dirty="0"/>
-              <a:t>Penalty cost function </a:t>
-            </a:r>
-          </a:p>
-        </p:txBody>
-      </p:sp>
-      <p:pic>
-        <p:nvPicPr>
-          <p:cNvPr id="7" name="Picture 6">
-            <a:extLst>
-              <a:ext uri="{FF2B5EF4-FFF2-40B4-BE49-F238E27FC236}">
-                <a16:creationId xmlns:a16="http://schemas.microsoft.com/office/drawing/2014/main" id="{12B58D44-A15D-496A-AA37-E5D857812059}"/>
-              </a:ext>
-            </a:extLst>
-          </p:cNvPr>
-          <p:cNvPicPr>
-            <a:picLocks noChangeAspect="1"/>
-          </p:cNvPicPr>
-          <p:nvPr/>
-        </p:nvPicPr>
-        <p:blipFill>
-          <a:blip r:embed="rId2"/>
-          <a:stretch>
-            <a:fillRect/>
-          </a:stretch>
-        </p:blipFill>
-        <p:spPr>
-          <a:xfrm>
-            <a:off x="838200" y="3429000"/>
-            <a:ext cx="10846915" cy="821736"/>
-          </a:xfrm>
-          <a:prstGeom prst="rect">
-            <a:avLst/>
-          </a:prstGeom>
-        </p:spPr>
-      </p:pic>
-      <p:pic>
-        <p:nvPicPr>
-          <p:cNvPr id="6" name="Picture 5">
-            <a:extLst>
-              <a:ext uri="{FF2B5EF4-FFF2-40B4-BE49-F238E27FC236}">
-                <a16:creationId xmlns:a16="http://schemas.microsoft.com/office/drawing/2014/main" id="{2EB54207-A749-4BF2-B29B-1DED38D90C59}"/>
-              </a:ext>
-            </a:extLst>
-          </p:cNvPr>
-          <p:cNvPicPr>
-            <a:picLocks noChangeAspect="1"/>
-          </p:cNvPicPr>
-          <p:nvPr/>
-        </p:nvPicPr>
-        <p:blipFill>
-          <a:blip r:embed="rId3"/>
-          <a:stretch>
-            <a:fillRect/>
-          </a:stretch>
-        </p:blipFill>
-        <p:spPr>
-          <a:xfrm>
-            <a:off x="1786481" y="5550218"/>
-            <a:ext cx="9331692" cy="602570"/>
-          </a:xfrm>
-          <a:prstGeom prst="rect">
-            <a:avLst/>
-          </a:prstGeom>
-        </p:spPr>
-      </p:pic>
+        </p:txBody>
+      </p:sp>
     </p:spTree>
     <p:extLst>
       <p:ext uri="{BB962C8B-B14F-4D97-AF65-F5344CB8AC3E}">
-        <p14:creationId xmlns:p14="http://schemas.microsoft.com/office/powerpoint/2010/main" val="3392642193"/>
+        <p14:creationId xmlns:p14="http://schemas.microsoft.com/office/powerpoint/2010/main" val="2565331248"/>
       </p:ext>
     </p:extLst>
   </p:cSld>
